--- a/doc/【201464_安達太郎】虎の穴WebJava初級振り返り.pptx
+++ b/doc/【201464_安達太郎】虎の穴WebJava初級振り返り.pptx
@@ -15,6 +15,11 @@
     <p:sldId id="266" r:id="rId9"/>
     <p:sldId id="265" r:id="rId10"/>
     <p:sldId id="267" r:id="rId11"/>
+    <p:sldId id="268" r:id="rId12"/>
+    <p:sldId id="269" r:id="rId13"/>
+    <p:sldId id="270" r:id="rId14"/>
+    <p:sldId id="271" r:id="rId15"/>
+    <p:sldId id="272" r:id="rId16"/>
   </p:sldIdLst>
   <p:sldSz cx="12192000" cy="6858000"/>
   <p:notesSz cx="6858000" cy="9144000"/>
@@ -113,6 +118,11 @@
       </a:defRPr>
     </a:lvl9pPr>
   </p:defaultTextStyle>
+  <p:extLst>
+    <p:ext uri="{EFAFB233-063F-42B5-8137-9DF3F51BA10A}">
+      <p15:sldGuideLst xmlns:p15="http://schemas.microsoft.com/office/powerpoint/2012/main"/>
+    </p:ext>
+  </p:extLst>
 </p:presentation>
 </file>
 
@@ -6811,7 +6821,7 @@
                 <a16:creationId xmlns:a16="http://schemas.microsoft.com/office/drawing/2014/main" id="{CE957058-57AD-46A9-BAE9-7145CB3504F9}"/>
               </a:ext>
               <a:ext uri="{C183D7F6-B498-43B3-948B-1728B52AA6E4}">
-                <adec:decorative xmlns:adec="http://schemas.microsoft.com/office/drawing/2017/decorative" val="1"/>
+                <adec:decorative xmlns="" xmlns:adec="http://schemas.microsoft.com/office/drawing/2017/decorative" val="1"/>
               </a:ext>
             </a:extLst>
           </p:cNvPr>
@@ -6916,6 +6926,13 @@
               </a:rPr>
               <a:t>初級</a:t>
             </a:r>
+            <a:r>
+              <a:rPr kumimoji="1" lang="en-US" altLang="ja-JP" dirty="0">
+                <a:latin typeface="Yu Gothic Medium" panose="020B0500000000000000" pitchFamily="50" charset="-128"/>
+                <a:ea typeface="Yu Gothic Medium" panose="020B0500000000000000" pitchFamily="50" charset="-128"/>
+              </a:rPr>
+              <a:t/>
+            </a:r>
             <a:br>
               <a:rPr kumimoji="1" lang="en-US" altLang="ja-JP" dirty="0">
                 <a:latin typeface="Yu Gothic Medium" panose="020B0500000000000000" pitchFamily="50" charset="-128"/>
@@ -6944,7 +6961,7 @@
                 <a16:creationId xmlns:a16="http://schemas.microsoft.com/office/drawing/2014/main" id="{1A6D86F0-98E0-4468-9315-41BF7B0F2E68}"/>
               </a:ext>
               <a:ext uri="{C183D7F6-B498-43B3-948B-1728B52AA6E4}">
-                <adec:decorative xmlns:adec="http://schemas.microsoft.com/office/drawing/2017/decorative" val="1"/>
+                <adec:decorative xmlns="" xmlns:adec="http://schemas.microsoft.com/office/drawing/2017/decorative" val="1"/>
               </a:ext>
             </a:extLst>
           </p:cNvPr>
@@ -7076,6 +7093,648 @@
   <p:clrMapOvr>
     <a:masterClrMapping/>
   </p:clrMapOvr>
+  <p:timing>
+    <p:tnLst>
+      <p:par>
+        <p:cTn id="1" dur="indefinite" restart="never" nodeType="tmRoot"/>
+      </p:par>
+    </p:tnLst>
+  </p:timing>
+</p:sld>
+</file>
+
+<file path=ppt/slides/slide10.xml><?xml version="1.0" encoding="utf-8"?>
+<p:sld xmlns:a="http://schemas.openxmlformats.org/drawingml/2006/main" xmlns:r="http://schemas.openxmlformats.org/officeDocument/2006/relationships" xmlns:p="http://schemas.openxmlformats.org/presentationml/2006/main">
+  <p:cSld>
+    <p:spTree>
+      <p:nvGrpSpPr>
+        <p:cNvPr id="1" name=""/>
+        <p:cNvGrpSpPr/>
+        <p:nvPr/>
+      </p:nvGrpSpPr>
+      <p:grpSpPr>
+        <a:xfrm>
+          <a:off x="0" y="0"/>
+          <a:ext cx="0" cy="0"/>
+          <a:chOff x="0" y="0"/>
+          <a:chExt cx="0" cy="0"/>
+        </a:xfrm>
+      </p:grpSpPr>
+      <p:sp>
+        <p:nvSpPr>
+          <p:cNvPr id="2" name="タイトル 1"/>
+          <p:cNvSpPr>
+            <a:spLocks noGrp="1"/>
+          </p:cNvSpPr>
+          <p:nvPr>
+            <p:ph type="title"/>
+          </p:nvPr>
+        </p:nvSpPr>
+        <p:spPr/>
+        <p:txBody>
+          <a:bodyPr/>
+          <a:lstStyle/>
+          <a:p>
+            <a:r>
+              <a:rPr kumimoji="1" lang="ja-JP" altLang="en-US" dirty="0" smtClean="0">
+                <a:latin typeface="游ゴシック Medium" panose="020B0500000000000000" pitchFamily="50" charset="-128"/>
+                <a:ea typeface="游ゴシック Medium" panose="020B0500000000000000" pitchFamily="50" charset="-128"/>
+              </a:rPr>
+              <a:t>画面イメージ</a:t>
+            </a:r>
+            <a:endParaRPr kumimoji="1" lang="ja-JP" altLang="en-US" dirty="0">
+              <a:latin typeface="游ゴシック Medium" panose="020B0500000000000000" pitchFamily="50" charset="-128"/>
+              <a:ea typeface="游ゴシック Medium" panose="020B0500000000000000" pitchFamily="50" charset="-128"/>
+            </a:endParaRPr>
+          </a:p>
+        </p:txBody>
+      </p:sp>
+      <p:pic>
+        <p:nvPicPr>
+          <p:cNvPr id="4" name="コンテンツ プレースホルダー 3"/>
+          <p:cNvPicPr>
+            <a:picLocks noGrp="1" noChangeAspect="1"/>
+          </p:cNvPicPr>
+          <p:nvPr>
+            <p:ph idx="1"/>
+          </p:nvPr>
+        </p:nvPicPr>
+        <p:blipFill>
+          <a:blip r:embed="rId2">
+            <a:extLst>
+              <a:ext uri="{28A0092B-C50C-407E-A947-70E740481C1C}">
+                <a14:useLocalDpi xmlns:a14="http://schemas.microsoft.com/office/drawing/2010/main" val="0"/>
+              </a:ext>
+            </a:extLst>
+          </a:blip>
+          <a:stretch>
+            <a:fillRect/>
+          </a:stretch>
+        </p:blipFill>
+        <p:spPr>
+          <a:xfrm>
+            <a:off x="413872" y="1982217"/>
+            <a:ext cx="2734057" cy="1571844"/>
+          </a:xfrm>
+        </p:spPr>
+      </p:pic>
+      <p:pic>
+        <p:nvPicPr>
+          <p:cNvPr id="5" name="図 4"/>
+          <p:cNvPicPr>
+            <a:picLocks noChangeAspect="1"/>
+          </p:cNvPicPr>
+          <p:nvPr/>
+        </p:nvPicPr>
+        <p:blipFill>
+          <a:blip r:embed="rId3">
+            <a:extLst>
+              <a:ext uri="{28A0092B-C50C-407E-A947-70E740481C1C}">
+                <a14:useLocalDpi xmlns:a14="http://schemas.microsoft.com/office/drawing/2010/main" val="0"/>
+              </a:ext>
+            </a:extLst>
+          </a:blip>
+          <a:stretch>
+            <a:fillRect/>
+          </a:stretch>
+        </p:blipFill>
+        <p:spPr>
+          <a:xfrm>
+            <a:off x="413872" y="3675239"/>
+            <a:ext cx="10058400" cy="2542644"/>
+          </a:xfrm>
+          <a:prstGeom prst="rect">
+            <a:avLst/>
+          </a:prstGeom>
+        </p:spPr>
+      </p:pic>
+    </p:spTree>
+    <p:extLst>
+      <p:ext uri="{BB962C8B-B14F-4D97-AF65-F5344CB8AC3E}">
+        <p14:creationId xmlns:p14="http://schemas.microsoft.com/office/powerpoint/2010/main" val="2370120418"/>
+      </p:ext>
+    </p:extLst>
+  </p:cSld>
+  <p:clrMapOvr>
+    <a:masterClrMapping/>
+  </p:clrMapOvr>
+  <p:timing>
+    <p:tnLst>
+      <p:par>
+        <p:cTn id="1" dur="indefinite" restart="never" nodeType="tmRoot"/>
+      </p:par>
+    </p:tnLst>
+  </p:timing>
+</p:sld>
+</file>
+
+<file path=ppt/slides/slide11.xml><?xml version="1.0" encoding="utf-8"?>
+<p:sld xmlns:a="http://schemas.openxmlformats.org/drawingml/2006/main" xmlns:r="http://schemas.openxmlformats.org/officeDocument/2006/relationships" xmlns:p="http://schemas.openxmlformats.org/presentationml/2006/main">
+  <p:cSld>
+    <p:spTree>
+      <p:nvGrpSpPr>
+        <p:cNvPr id="1" name=""/>
+        <p:cNvGrpSpPr/>
+        <p:nvPr/>
+      </p:nvGrpSpPr>
+      <p:grpSpPr>
+        <a:xfrm>
+          <a:off x="0" y="0"/>
+          <a:ext cx="0" cy="0"/>
+          <a:chOff x="0" y="0"/>
+          <a:chExt cx="0" cy="0"/>
+        </a:xfrm>
+      </p:grpSpPr>
+      <p:sp>
+        <p:nvSpPr>
+          <p:cNvPr id="2" name="タイトル 1"/>
+          <p:cNvSpPr>
+            <a:spLocks noGrp="1"/>
+          </p:cNvSpPr>
+          <p:nvPr>
+            <p:ph type="title"/>
+          </p:nvPr>
+        </p:nvSpPr>
+        <p:spPr/>
+        <p:txBody>
+          <a:bodyPr/>
+          <a:lstStyle/>
+          <a:p>
+            <a:r>
+              <a:rPr kumimoji="1" lang="ja-JP" altLang="en-US" dirty="0" smtClean="0">
+                <a:latin typeface="游ゴシック Medium" panose="020B0500000000000000" pitchFamily="50" charset="-128"/>
+                <a:ea typeface="游ゴシック Medium" panose="020B0500000000000000" pitchFamily="50" charset="-128"/>
+              </a:rPr>
+              <a:t>画面イメージ</a:t>
+            </a:r>
+            <a:endParaRPr kumimoji="1" lang="ja-JP" altLang="en-US" dirty="0">
+              <a:latin typeface="游ゴシック Medium" panose="020B0500000000000000" pitchFamily="50" charset="-128"/>
+              <a:ea typeface="游ゴシック Medium" panose="020B0500000000000000" pitchFamily="50" charset="-128"/>
+            </a:endParaRPr>
+          </a:p>
+        </p:txBody>
+      </p:sp>
+      <p:pic>
+        <p:nvPicPr>
+          <p:cNvPr id="3" name="図 2"/>
+          <p:cNvPicPr>
+            <a:picLocks noChangeAspect="1"/>
+          </p:cNvPicPr>
+          <p:nvPr/>
+        </p:nvPicPr>
+        <p:blipFill>
+          <a:blip r:embed="rId2">
+            <a:extLst>
+              <a:ext uri="{28A0092B-C50C-407E-A947-70E740481C1C}">
+                <a14:useLocalDpi xmlns:a14="http://schemas.microsoft.com/office/drawing/2010/main" val="0"/>
+              </a:ext>
+            </a:extLst>
+          </a:blip>
+          <a:stretch>
+            <a:fillRect/>
+          </a:stretch>
+        </p:blipFill>
+        <p:spPr>
+          <a:xfrm>
+            <a:off x="1202919" y="2011680"/>
+            <a:ext cx="10058400" cy="3056822"/>
+          </a:xfrm>
+          <a:prstGeom prst="rect">
+            <a:avLst/>
+          </a:prstGeom>
+        </p:spPr>
+      </p:pic>
+    </p:spTree>
+    <p:extLst>
+      <p:ext uri="{BB962C8B-B14F-4D97-AF65-F5344CB8AC3E}">
+        <p14:creationId xmlns:p14="http://schemas.microsoft.com/office/powerpoint/2010/main" val="3836398015"/>
+      </p:ext>
+    </p:extLst>
+  </p:cSld>
+  <p:clrMapOvr>
+    <a:masterClrMapping/>
+  </p:clrMapOvr>
+  <p:timing>
+    <p:tnLst>
+      <p:par>
+        <p:cTn id="1" dur="indefinite" restart="never" nodeType="tmRoot"/>
+      </p:par>
+    </p:tnLst>
+  </p:timing>
+</p:sld>
+</file>
+
+<file path=ppt/slides/slide12.xml><?xml version="1.0" encoding="utf-8"?>
+<p:sld xmlns:a="http://schemas.openxmlformats.org/drawingml/2006/main" xmlns:r="http://schemas.openxmlformats.org/officeDocument/2006/relationships" xmlns:p="http://schemas.openxmlformats.org/presentationml/2006/main">
+  <p:cSld>
+    <p:spTree>
+      <p:nvGrpSpPr>
+        <p:cNvPr id="1" name=""/>
+        <p:cNvGrpSpPr/>
+        <p:nvPr/>
+      </p:nvGrpSpPr>
+      <p:grpSpPr>
+        <a:xfrm>
+          <a:off x="0" y="0"/>
+          <a:ext cx="0" cy="0"/>
+          <a:chOff x="0" y="0"/>
+          <a:chExt cx="0" cy="0"/>
+        </a:xfrm>
+      </p:grpSpPr>
+      <p:sp>
+        <p:nvSpPr>
+          <p:cNvPr id="2" name="タイトル 1"/>
+          <p:cNvSpPr>
+            <a:spLocks noGrp="1"/>
+          </p:cNvSpPr>
+          <p:nvPr>
+            <p:ph type="title"/>
+          </p:nvPr>
+        </p:nvSpPr>
+        <p:spPr/>
+        <p:txBody>
+          <a:bodyPr/>
+          <a:lstStyle/>
+          <a:p>
+            <a:r>
+              <a:rPr kumimoji="1" lang="ja-JP" altLang="en-US" dirty="0" smtClean="0">
+                <a:latin typeface="游ゴシック Medium" panose="020B0500000000000000" pitchFamily="50" charset="-128"/>
+                <a:ea typeface="游ゴシック Medium" panose="020B0500000000000000" pitchFamily="50" charset="-128"/>
+              </a:rPr>
+              <a:t>画面イメージ</a:t>
+            </a:r>
+            <a:endParaRPr kumimoji="1" lang="ja-JP" altLang="en-US" dirty="0">
+              <a:latin typeface="游ゴシック Medium" panose="020B0500000000000000" pitchFamily="50" charset="-128"/>
+              <a:ea typeface="游ゴシック Medium" panose="020B0500000000000000" pitchFamily="50" charset="-128"/>
+            </a:endParaRPr>
+          </a:p>
+        </p:txBody>
+      </p:sp>
+      <p:pic>
+        <p:nvPicPr>
+          <p:cNvPr id="7" name="コンテンツ プレースホルダー 6"/>
+          <p:cNvPicPr>
+            <a:picLocks noGrp="1" noChangeAspect="1"/>
+          </p:cNvPicPr>
+          <p:nvPr>
+            <p:ph idx="1"/>
+          </p:nvPr>
+        </p:nvPicPr>
+        <p:blipFill>
+          <a:blip r:embed="rId2">
+            <a:extLst>
+              <a:ext uri="{28A0092B-C50C-407E-A947-70E740481C1C}">
+                <a14:useLocalDpi xmlns:a14="http://schemas.microsoft.com/office/drawing/2010/main" val="0"/>
+              </a:ext>
+            </a:extLst>
+          </a:blip>
+          <a:stretch>
+            <a:fillRect/>
+          </a:stretch>
+        </p:blipFill>
+        <p:spPr>
+          <a:xfrm>
+            <a:off x="1202919" y="2002898"/>
+            <a:ext cx="9783763" cy="2312262"/>
+          </a:xfrm>
+        </p:spPr>
+      </p:pic>
+    </p:spTree>
+    <p:extLst>
+      <p:ext uri="{BB962C8B-B14F-4D97-AF65-F5344CB8AC3E}">
+        <p14:creationId xmlns:p14="http://schemas.microsoft.com/office/powerpoint/2010/main" val="821504303"/>
+      </p:ext>
+    </p:extLst>
+  </p:cSld>
+  <p:clrMapOvr>
+    <a:masterClrMapping/>
+  </p:clrMapOvr>
+  <p:timing>
+    <p:tnLst>
+      <p:par>
+        <p:cTn id="1" dur="indefinite" restart="never" nodeType="tmRoot"/>
+      </p:par>
+    </p:tnLst>
+  </p:timing>
+</p:sld>
+</file>
+
+<file path=ppt/slides/slide13.xml><?xml version="1.0" encoding="utf-8"?>
+<p:sld xmlns:a="http://schemas.openxmlformats.org/drawingml/2006/main" xmlns:r="http://schemas.openxmlformats.org/officeDocument/2006/relationships" xmlns:p="http://schemas.openxmlformats.org/presentationml/2006/main">
+  <p:cSld>
+    <p:spTree>
+      <p:nvGrpSpPr>
+        <p:cNvPr id="1" name=""/>
+        <p:cNvGrpSpPr/>
+        <p:nvPr/>
+      </p:nvGrpSpPr>
+      <p:grpSpPr>
+        <a:xfrm>
+          <a:off x="0" y="0"/>
+          <a:ext cx="0" cy="0"/>
+          <a:chOff x="0" y="0"/>
+          <a:chExt cx="0" cy="0"/>
+        </a:xfrm>
+      </p:grpSpPr>
+      <p:sp>
+        <p:nvSpPr>
+          <p:cNvPr id="2" name="タイトル 1"/>
+          <p:cNvSpPr>
+            <a:spLocks noGrp="1"/>
+          </p:cNvSpPr>
+          <p:nvPr>
+            <p:ph type="title"/>
+          </p:nvPr>
+        </p:nvSpPr>
+        <p:spPr/>
+        <p:txBody>
+          <a:bodyPr/>
+          <a:lstStyle/>
+          <a:p>
+            <a:r>
+              <a:rPr kumimoji="1" lang="ja-JP" altLang="en-US" dirty="0" smtClean="0">
+                <a:latin typeface="游ゴシック Medium" panose="020B0500000000000000" pitchFamily="50" charset="-128"/>
+                <a:ea typeface="游ゴシック Medium" panose="020B0500000000000000" pitchFamily="50" charset="-128"/>
+              </a:rPr>
+              <a:t>画面イメージ</a:t>
+            </a:r>
+            <a:endParaRPr kumimoji="1" lang="ja-JP" altLang="en-US" dirty="0">
+              <a:latin typeface="游ゴシック Medium" panose="020B0500000000000000" pitchFamily="50" charset="-128"/>
+              <a:ea typeface="游ゴシック Medium" panose="020B0500000000000000" pitchFamily="50" charset="-128"/>
+            </a:endParaRPr>
+          </a:p>
+        </p:txBody>
+      </p:sp>
+      <p:pic>
+        <p:nvPicPr>
+          <p:cNvPr id="3" name="図 2"/>
+          <p:cNvPicPr>
+            <a:picLocks noChangeAspect="1"/>
+          </p:cNvPicPr>
+          <p:nvPr/>
+        </p:nvPicPr>
+        <p:blipFill>
+          <a:blip r:embed="rId2">
+            <a:extLst>
+              <a:ext uri="{28A0092B-C50C-407E-A947-70E740481C1C}">
+                <a14:useLocalDpi xmlns:a14="http://schemas.microsoft.com/office/drawing/2010/main" val="0"/>
+              </a:ext>
+            </a:extLst>
+          </a:blip>
+          <a:stretch>
+            <a:fillRect/>
+          </a:stretch>
+        </p:blipFill>
+        <p:spPr>
+          <a:xfrm>
+            <a:off x="3197204" y="1479665"/>
+            <a:ext cx="1554504" cy="5311833"/>
+          </a:xfrm>
+          <a:prstGeom prst="rect">
+            <a:avLst/>
+          </a:prstGeom>
+        </p:spPr>
+      </p:pic>
+      <p:pic>
+        <p:nvPicPr>
+          <p:cNvPr id="5" name="コンテンツ プレースホルダー 4"/>
+          <p:cNvPicPr>
+            <a:picLocks noGrp="1" noChangeAspect="1"/>
+          </p:cNvPicPr>
+          <p:nvPr>
+            <p:ph idx="1"/>
+          </p:nvPr>
+        </p:nvPicPr>
+        <p:blipFill>
+          <a:blip r:embed="rId3">
+            <a:extLst>
+              <a:ext uri="{28A0092B-C50C-407E-A947-70E740481C1C}">
+                <a14:useLocalDpi xmlns:a14="http://schemas.microsoft.com/office/drawing/2010/main" val="0"/>
+              </a:ext>
+            </a:extLst>
+          </a:blip>
+          <a:stretch>
+            <a:fillRect/>
+          </a:stretch>
+        </p:blipFill>
+        <p:spPr>
+          <a:xfrm>
+            <a:off x="6998864" y="1479665"/>
+            <a:ext cx="1473941" cy="4206875"/>
+          </a:xfrm>
+        </p:spPr>
+      </p:pic>
+      <p:sp>
+        <p:nvSpPr>
+          <p:cNvPr id="6" name="楕円 5"/>
+          <p:cNvSpPr/>
+          <p:nvPr/>
+        </p:nvSpPr>
+        <p:spPr>
+          <a:xfrm>
+            <a:off x="3084022" y="2468880"/>
+            <a:ext cx="1737360" cy="548640"/>
+          </a:xfrm>
+          <a:prstGeom prst="ellipse">
+            <a:avLst/>
+          </a:prstGeom>
+          <a:noFill/>
+          <a:ln>
+            <a:solidFill>
+              <a:srgbClr val="FF0000"/>
+            </a:solidFill>
+          </a:ln>
+        </p:spPr>
+        <p:style>
+          <a:lnRef idx="2">
+            <a:schemeClr val="accent1">
+              <a:shade val="50000"/>
+            </a:schemeClr>
+          </a:lnRef>
+          <a:fillRef idx="1">
+            <a:schemeClr val="accent1"/>
+          </a:fillRef>
+          <a:effectRef idx="0">
+            <a:schemeClr val="accent1"/>
+          </a:effectRef>
+          <a:fontRef idx="minor">
+            <a:schemeClr val="lt1"/>
+          </a:fontRef>
+        </p:style>
+        <p:txBody>
+          <a:bodyPr rtlCol="0" anchor="ctr"/>
+          <a:lstStyle/>
+          <a:p>
+            <a:pPr algn="ctr"/>
+            <a:endParaRPr kumimoji="1" lang="ja-JP" altLang="en-US"/>
+          </a:p>
+        </p:txBody>
+      </p:sp>
+      <p:sp>
+        <p:nvSpPr>
+          <p:cNvPr id="8" name="右矢印 7"/>
+          <p:cNvSpPr/>
+          <p:nvPr/>
+        </p:nvSpPr>
+        <p:spPr>
+          <a:xfrm>
+            <a:off x="5037362" y="2468880"/>
+            <a:ext cx="1745522" cy="590204"/>
+          </a:xfrm>
+          <a:prstGeom prst="rightArrow">
+            <a:avLst/>
+          </a:prstGeom>
+          <a:solidFill>
+            <a:srgbClr val="FF0000"/>
+          </a:solidFill>
+          <a:ln>
+            <a:solidFill>
+              <a:srgbClr val="FF0000"/>
+            </a:solidFill>
+          </a:ln>
+        </p:spPr>
+        <p:style>
+          <a:lnRef idx="2">
+            <a:schemeClr val="accent1">
+              <a:shade val="50000"/>
+            </a:schemeClr>
+          </a:lnRef>
+          <a:fillRef idx="1">
+            <a:schemeClr val="accent1"/>
+          </a:fillRef>
+          <a:effectRef idx="0">
+            <a:schemeClr val="accent1"/>
+          </a:effectRef>
+          <a:fontRef idx="minor">
+            <a:schemeClr val="lt1"/>
+          </a:fontRef>
+        </p:style>
+        <p:txBody>
+          <a:bodyPr rtlCol="0" anchor="ctr"/>
+          <a:lstStyle/>
+          <a:p>
+            <a:pPr algn="ctr"/>
+            <a:r>
+              <a:rPr kumimoji="1" lang="ja-JP" altLang="en-US" dirty="0" smtClean="0"/>
+              <a:t>コマンド選択</a:t>
+            </a:r>
+            <a:endParaRPr kumimoji="1" lang="ja-JP" altLang="en-US" dirty="0"/>
+          </a:p>
+        </p:txBody>
+      </p:sp>
+    </p:spTree>
+    <p:extLst>
+      <p:ext uri="{BB962C8B-B14F-4D97-AF65-F5344CB8AC3E}">
+        <p14:creationId xmlns:p14="http://schemas.microsoft.com/office/powerpoint/2010/main" val="3872063885"/>
+      </p:ext>
+    </p:extLst>
+  </p:cSld>
+  <p:clrMapOvr>
+    <a:masterClrMapping/>
+  </p:clrMapOvr>
+  <p:timing>
+    <p:tnLst>
+      <p:par>
+        <p:cTn id="1" dur="indefinite" restart="never" nodeType="tmRoot"/>
+      </p:par>
+    </p:tnLst>
+  </p:timing>
+</p:sld>
+</file>
+
+<file path=ppt/slides/slide14.xml><?xml version="1.0" encoding="utf-8"?>
+<p:sld xmlns:a="http://schemas.openxmlformats.org/drawingml/2006/main" xmlns:r="http://schemas.openxmlformats.org/officeDocument/2006/relationships" xmlns:p="http://schemas.openxmlformats.org/presentationml/2006/main">
+  <p:cSld>
+    <p:spTree>
+      <p:nvGrpSpPr>
+        <p:cNvPr id="1" name=""/>
+        <p:cNvGrpSpPr/>
+        <p:nvPr/>
+      </p:nvGrpSpPr>
+      <p:grpSpPr>
+        <a:xfrm>
+          <a:off x="0" y="0"/>
+          <a:ext cx="0" cy="0"/>
+          <a:chOff x="0" y="0"/>
+          <a:chExt cx="0" cy="0"/>
+        </a:xfrm>
+      </p:grpSpPr>
+      <p:sp>
+        <p:nvSpPr>
+          <p:cNvPr id="2" name="タイトル 1"/>
+          <p:cNvSpPr>
+            <a:spLocks noGrp="1"/>
+          </p:cNvSpPr>
+          <p:nvPr>
+            <p:ph type="title"/>
+          </p:nvPr>
+        </p:nvSpPr>
+        <p:spPr/>
+        <p:txBody>
+          <a:bodyPr/>
+          <a:lstStyle/>
+          <a:p>
+            <a:r>
+              <a:rPr kumimoji="1" lang="ja-JP" altLang="en-US" dirty="0" smtClean="0">
+                <a:latin typeface="游ゴシック Medium" panose="020B0500000000000000" pitchFamily="50" charset="-128"/>
+                <a:ea typeface="游ゴシック Medium" panose="020B0500000000000000" pitchFamily="50" charset="-128"/>
+              </a:rPr>
+              <a:t>画面イメージ</a:t>
+            </a:r>
+            <a:endParaRPr kumimoji="1" lang="ja-JP" altLang="en-US" dirty="0">
+              <a:latin typeface="游ゴシック Medium" panose="020B0500000000000000" pitchFamily="50" charset="-128"/>
+              <a:ea typeface="游ゴシック Medium" panose="020B0500000000000000" pitchFamily="50" charset="-128"/>
+            </a:endParaRPr>
+          </a:p>
+        </p:txBody>
+      </p:sp>
+      <p:pic>
+        <p:nvPicPr>
+          <p:cNvPr id="4" name="図 3"/>
+          <p:cNvPicPr>
+            <a:picLocks noChangeAspect="1"/>
+          </p:cNvPicPr>
+          <p:nvPr/>
+        </p:nvPicPr>
+        <p:blipFill>
+          <a:blip r:embed="rId2">
+            <a:extLst>
+              <a:ext uri="{28A0092B-C50C-407E-A947-70E740481C1C}">
+                <a14:useLocalDpi xmlns:a14="http://schemas.microsoft.com/office/drawing/2010/main" val="0"/>
+              </a:ext>
+            </a:extLst>
+          </a:blip>
+          <a:stretch>
+            <a:fillRect/>
+          </a:stretch>
+        </p:blipFill>
+        <p:spPr>
+          <a:xfrm>
+            <a:off x="3510538" y="1852091"/>
+            <a:ext cx="5168841" cy="4964344"/>
+          </a:xfrm>
+          <a:prstGeom prst="rect">
+            <a:avLst/>
+          </a:prstGeom>
+        </p:spPr>
+      </p:pic>
+    </p:spTree>
+    <p:extLst>
+      <p:ext uri="{BB962C8B-B14F-4D97-AF65-F5344CB8AC3E}">
+        <p14:creationId xmlns:p14="http://schemas.microsoft.com/office/powerpoint/2010/main" val="3415553563"/>
+      </p:ext>
+    </p:extLst>
+  </p:cSld>
+  <p:clrMapOvr>
+    <a:masterClrMapping/>
+  </p:clrMapOvr>
+  <p:timing>
+    <p:tnLst>
+      <p:par>
+        <p:cTn id="1" dur="indefinite" restart="never" nodeType="tmRoot"/>
+      </p:par>
+    </p:tnLst>
+  </p:timing>
 </p:sld>
 </file>
 
@@ -7112,7 +7771,7 @@
                 <a16:creationId xmlns:a16="http://schemas.microsoft.com/office/drawing/2014/main" id="{1A6D86F0-98E0-4468-9315-41BF7B0F2E68}"/>
               </a:ext>
               <a:ext uri="{C183D7F6-B498-43B3-948B-1728B52AA6E4}">
-                <adec:decorative xmlns:adec="http://schemas.microsoft.com/office/drawing/2017/decorative" val="1"/>
+                <adec:decorative xmlns="" xmlns:adec="http://schemas.microsoft.com/office/drawing/2017/decorative" val="1"/>
               </a:ext>
             </a:extLst>
           </p:cNvPr>
@@ -7213,7 +7872,7 @@
                 <a16:creationId xmlns:a16="http://schemas.microsoft.com/office/drawing/2014/main" id="{CE957058-57AD-46A9-BAE9-7145CB3504F9}"/>
               </a:ext>
               <a:ext uri="{C183D7F6-B498-43B3-948B-1728B52AA6E4}">
-                <adec:decorative xmlns:adec="http://schemas.microsoft.com/office/drawing/2017/decorative" val="1"/>
+                <adec:decorative xmlns="" xmlns:adec="http://schemas.microsoft.com/office/drawing/2017/decorative" val="1"/>
               </a:ext>
             </a:extLst>
           </p:cNvPr>
@@ -7419,7 +8078,7 @@
                 <a16:creationId xmlns:a16="http://schemas.microsoft.com/office/drawing/2014/main" id="{1A6D86F0-98E0-4468-9315-41BF7B0F2E68}"/>
               </a:ext>
               <a:ext uri="{C183D7F6-B498-43B3-948B-1728B52AA6E4}">
-                <adec:decorative xmlns:adec="http://schemas.microsoft.com/office/drawing/2017/decorative" val="1"/>
+                <adec:decorative xmlns="" xmlns:adec="http://schemas.microsoft.com/office/drawing/2017/decorative" val="1"/>
               </a:ext>
             </a:extLst>
           </p:cNvPr>
@@ -7520,7 +8179,7 @@
                 <a16:creationId xmlns:a16="http://schemas.microsoft.com/office/drawing/2014/main" id="{CE957058-57AD-46A9-BAE9-7145CB3504F9}"/>
               </a:ext>
               <a:ext uri="{C183D7F6-B498-43B3-948B-1728B52AA6E4}">
-                <adec:decorative xmlns:adec="http://schemas.microsoft.com/office/drawing/2017/decorative" val="1"/>
+                <adec:decorative xmlns="" xmlns:adec="http://schemas.microsoft.com/office/drawing/2017/decorative" val="1"/>
               </a:ext>
             </a:extLst>
           </p:cNvPr>
@@ -8133,7 +8792,7 @@
                 <a16:creationId xmlns:a16="http://schemas.microsoft.com/office/drawing/2014/main" id="{1A6D86F0-98E0-4468-9315-41BF7B0F2E68}"/>
               </a:ext>
               <a:ext uri="{C183D7F6-B498-43B3-948B-1728B52AA6E4}">
-                <adec:decorative xmlns:adec="http://schemas.microsoft.com/office/drawing/2017/decorative" val="1"/>
+                <adec:decorative xmlns="" xmlns:adec="http://schemas.microsoft.com/office/drawing/2017/decorative" val="1"/>
               </a:ext>
             </a:extLst>
           </p:cNvPr>
@@ -8234,7 +8893,7 @@
                 <a16:creationId xmlns:a16="http://schemas.microsoft.com/office/drawing/2014/main" id="{CE957058-57AD-46A9-BAE9-7145CB3504F9}"/>
               </a:ext>
               <a:ext uri="{C183D7F6-B498-43B3-948B-1728B52AA6E4}">
-                <adec:decorative xmlns:adec="http://schemas.microsoft.com/office/drawing/2017/decorative" val="1"/>
+                <adec:decorative xmlns="" xmlns:adec="http://schemas.microsoft.com/office/drawing/2017/decorative" val="1"/>
               </a:ext>
             </a:extLst>
           </p:cNvPr>
@@ -8536,7 +9195,7 @@
                 <a16:creationId xmlns:a16="http://schemas.microsoft.com/office/drawing/2014/main" id="{1A6D86F0-98E0-4468-9315-41BF7B0F2E68}"/>
               </a:ext>
               <a:ext uri="{C183D7F6-B498-43B3-948B-1728B52AA6E4}">
-                <adec:decorative xmlns:adec="http://schemas.microsoft.com/office/drawing/2017/decorative" val="1"/>
+                <adec:decorative xmlns="" xmlns:adec="http://schemas.microsoft.com/office/drawing/2017/decorative" val="1"/>
               </a:ext>
             </a:extLst>
           </p:cNvPr>
@@ -8637,7 +9296,7 @@
                 <a16:creationId xmlns:a16="http://schemas.microsoft.com/office/drawing/2014/main" id="{CE957058-57AD-46A9-BAE9-7145CB3504F9}"/>
               </a:ext>
               <a:ext uri="{C183D7F6-B498-43B3-948B-1728B52AA6E4}">
-                <adec:decorative xmlns:adec="http://schemas.microsoft.com/office/drawing/2017/decorative" val="1"/>
+                <adec:decorative xmlns="" xmlns:adec="http://schemas.microsoft.com/office/drawing/2017/decorative" val="1"/>
               </a:ext>
             </a:extLst>
           </p:cNvPr>
@@ -9182,7 +9841,7 @@
                 <a16:creationId xmlns:a16="http://schemas.microsoft.com/office/drawing/2014/main" id="{1A6D86F0-98E0-4468-9315-41BF7B0F2E68}"/>
               </a:ext>
               <a:ext uri="{C183D7F6-B498-43B3-948B-1728B52AA6E4}">
-                <adec:decorative xmlns:adec="http://schemas.microsoft.com/office/drawing/2017/decorative" val="1"/>
+                <adec:decorative xmlns="" xmlns:adec="http://schemas.microsoft.com/office/drawing/2017/decorative" val="1"/>
               </a:ext>
             </a:extLst>
           </p:cNvPr>
@@ -9283,7 +9942,7 @@
                 <a16:creationId xmlns:a16="http://schemas.microsoft.com/office/drawing/2014/main" id="{CE957058-57AD-46A9-BAE9-7145CB3504F9}"/>
               </a:ext>
               <a:ext uri="{C183D7F6-B498-43B3-948B-1728B52AA6E4}">
-                <adec:decorative xmlns:adec="http://schemas.microsoft.com/office/drawing/2017/decorative" val="1"/>
+                <adec:decorative xmlns="" xmlns:adec="http://schemas.microsoft.com/office/drawing/2017/decorative" val="1"/>
               </a:ext>
             </a:extLst>
           </p:cNvPr>
@@ -9496,7 +10155,7 @@
                 <a16:creationId xmlns:a16="http://schemas.microsoft.com/office/drawing/2014/main" id="{1A6D86F0-98E0-4468-9315-41BF7B0F2E68}"/>
               </a:ext>
               <a:ext uri="{C183D7F6-B498-43B3-948B-1728B52AA6E4}">
-                <adec:decorative xmlns:adec="http://schemas.microsoft.com/office/drawing/2017/decorative" val="1"/>
+                <adec:decorative xmlns="" xmlns:adec="http://schemas.microsoft.com/office/drawing/2017/decorative" val="1"/>
               </a:ext>
             </a:extLst>
           </p:cNvPr>
@@ -9604,7 +10263,7 @@
                 <a16:creationId xmlns:a16="http://schemas.microsoft.com/office/drawing/2014/main" id="{CE957058-57AD-46A9-BAE9-7145CB3504F9}"/>
               </a:ext>
               <a:ext uri="{C183D7F6-B498-43B3-948B-1728B52AA6E4}">
-                <adec:decorative xmlns:adec="http://schemas.microsoft.com/office/drawing/2017/decorative" val="1"/>
+                <adec:decorative xmlns="" xmlns:adec="http://schemas.microsoft.com/office/drawing/2017/decorative" val="1"/>
               </a:ext>
             </a:extLst>
           </p:cNvPr>
@@ -9916,7 +10575,7 @@
                 <a16:creationId xmlns:a16="http://schemas.microsoft.com/office/drawing/2014/main" id="{1A6D86F0-98E0-4468-9315-41BF7B0F2E68}"/>
               </a:ext>
               <a:ext uri="{C183D7F6-B498-43B3-948B-1728B52AA6E4}">
-                <adec:decorative xmlns:adec="http://schemas.microsoft.com/office/drawing/2017/decorative" val="1"/>
+                <adec:decorative xmlns="" xmlns:adec="http://schemas.microsoft.com/office/drawing/2017/decorative" val="1"/>
               </a:ext>
             </a:extLst>
           </p:cNvPr>
@@ -10017,7 +10676,7 @@
                 <a16:creationId xmlns:a16="http://schemas.microsoft.com/office/drawing/2014/main" id="{CE957058-57AD-46A9-BAE9-7145CB3504F9}"/>
               </a:ext>
               <a:ext uri="{C183D7F6-B498-43B3-948B-1728B52AA6E4}">
-                <adec:decorative xmlns:adec="http://schemas.microsoft.com/office/drawing/2017/decorative" val="1"/>
+                <adec:decorative xmlns="" xmlns:adec="http://schemas.microsoft.com/office/drawing/2017/decorative" val="1"/>
               </a:ext>
             </a:extLst>
           </p:cNvPr>
@@ -10278,7 +10937,7 @@
                 <a16:creationId xmlns:a16="http://schemas.microsoft.com/office/drawing/2014/main" id="{1A6D86F0-98E0-4468-9315-41BF7B0F2E68}"/>
               </a:ext>
               <a:ext uri="{C183D7F6-B498-43B3-948B-1728B52AA6E4}">
-                <adec:decorative xmlns:adec="http://schemas.microsoft.com/office/drawing/2017/decorative" val="1"/>
+                <adec:decorative xmlns="" xmlns:adec="http://schemas.microsoft.com/office/drawing/2017/decorative" val="1"/>
               </a:ext>
             </a:extLst>
           </p:cNvPr>
@@ -10379,7 +11038,7 @@
                 <a16:creationId xmlns:a16="http://schemas.microsoft.com/office/drawing/2014/main" id="{CE957058-57AD-46A9-BAE9-7145CB3504F9}"/>
               </a:ext>
               <a:ext uri="{C183D7F6-B498-43B3-948B-1728B52AA6E4}">
-                <adec:decorative xmlns:adec="http://schemas.microsoft.com/office/drawing/2017/decorative" val="1"/>
+                <adec:decorative xmlns="" xmlns:adec="http://schemas.microsoft.com/office/drawing/2017/decorative" val="1"/>
               </a:ext>
             </a:extLst>
           </p:cNvPr>
@@ -10560,6 +11219,13 @@
   <p:clrMapOvr>
     <a:overrideClrMapping bg1="lt1" tx1="dk1" bg2="lt2" tx2="dk2" accent1="accent1" accent2="accent2" accent3="accent3" accent4="accent4" accent5="accent5" accent6="accent6" hlink="hlink" folHlink="folHlink"/>
   </p:clrMapOvr>
+  <p:timing>
+    <p:tnLst>
+      <p:par>
+        <p:cTn id="1" dur="indefinite" restart="never" nodeType="tmRoot"/>
+      </p:par>
+    </p:tnLst>
+  </p:timing>
 </p:sld>
 </file>
 
